--- a/Slides/Lecture11 - CSharp Redux.pptx
+++ b/Slides/Lecture11 - CSharp Redux.pptx
@@ -4671,12 +4671,30 @@
         <p:spPr>
           <a:xfrm>
             <a:off x="274209" y="1212850"/>
-            <a:ext cx="8778240" cy="4949047"/>
+            <a:ext cx="8778240" cy="3120854"/>
           </a:xfrm>
         </p:spPr>
         <p:txBody>
           <a:bodyPr/>
           <a:lstStyle/>
+          <a:p>
+            <a:r>
+              <a:rPr lang="da-DK" dirty="0" err="1">
+                <a:solidFill>
+                  <a:schemeClr val="bg1"/>
+                </a:solidFill>
+              </a:rPr>
+              <a:t>Exception</a:t>
+            </a:r>
+            <a:r>
+              <a:rPr lang="da-DK" dirty="0">
+                <a:solidFill>
+                  <a:schemeClr val="bg1"/>
+                </a:solidFill>
+              </a:rPr>
+              <a:t> handling</a:t>
+            </a:r>
+          </a:p>
           <a:p>
             <a:r>
               <a:rPr lang="da-DK" dirty="0">
@@ -4689,6 +4707,37 @@
           </a:p>
           <a:p>
             <a:r>
+              <a:rPr lang="da-DK" dirty="0" err="1">
+                <a:solidFill>
+                  <a:schemeClr val="bg1"/>
+                </a:solidFill>
+              </a:rPr>
+              <a:t>Settings</a:t>
+            </a:r>
+            <a:r>
+              <a:rPr lang="da-DK" dirty="0">
+                <a:solidFill>
+                  <a:schemeClr val="bg1"/>
+                </a:solidFill>
+              </a:rPr>
+              <a:t> and </a:t>
+            </a:r>
+            <a:r>
+              <a:rPr lang="da-DK" dirty="0" err="1">
+                <a:solidFill>
+                  <a:schemeClr val="bg1"/>
+                </a:solidFill>
+              </a:rPr>
+              <a:t>secrets</a:t>
+            </a:r>
+            <a:endParaRPr lang="da-DK" dirty="0">
+              <a:solidFill>
+                <a:schemeClr val="bg1"/>
+              </a:solidFill>
+            </a:endParaRPr>
+          </a:p>
+          <a:p>
+            <a:r>
               <a:rPr lang="da-DK" dirty="0">
                 <a:solidFill>
                   <a:schemeClr val="bg1"/>
@@ -4696,95 +4745,6 @@
               </a:rPr>
               <a:t>Security in UWP</a:t>
             </a:r>
-          </a:p>
-          <a:p>
-            <a:r>
-              <a:rPr lang="da-DK" dirty="0">
-                <a:solidFill>
-                  <a:schemeClr val="bg1"/>
-                </a:solidFill>
-              </a:rPr>
-              <a:t>Publishing apps to the cloud</a:t>
-            </a:r>
-          </a:p>
-          <a:p>
-            <a:r>
-              <a:rPr lang="da-DK" dirty="0" err="1">
-                <a:solidFill>
-                  <a:schemeClr val="bg1"/>
-                </a:solidFill>
-              </a:rPr>
-              <a:t>Exception</a:t>
-            </a:r>
-            <a:r>
-              <a:rPr lang="da-DK" dirty="0">
-                <a:solidFill>
-                  <a:schemeClr val="bg1"/>
-                </a:solidFill>
-              </a:rPr>
-              <a:t> handling</a:t>
-            </a:r>
-          </a:p>
-          <a:p>
-            <a:r>
-              <a:rPr lang="da-DK">
-                <a:solidFill>
-                  <a:schemeClr val="bg1"/>
-                </a:solidFill>
-              </a:rPr>
-              <a:t>IDisposable</a:t>
-            </a:r>
-            <a:endParaRPr lang="da-DK" dirty="0">
-              <a:solidFill>
-                <a:schemeClr val="bg1"/>
-              </a:solidFill>
-            </a:endParaRPr>
-          </a:p>
-          <a:p>
-            <a:r>
-              <a:rPr lang="da-DK" dirty="0" err="1">
-                <a:solidFill>
-                  <a:schemeClr val="bg1"/>
-                </a:solidFill>
-              </a:rPr>
-              <a:t>Settings</a:t>
-            </a:r>
-            <a:r>
-              <a:rPr lang="da-DK" dirty="0">
-                <a:solidFill>
-                  <a:schemeClr val="bg1"/>
-                </a:solidFill>
-              </a:rPr>
-              <a:t> and </a:t>
-            </a:r>
-            <a:r>
-              <a:rPr lang="da-DK" dirty="0" err="1">
-                <a:solidFill>
-                  <a:schemeClr val="bg1"/>
-                </a:solidFill>
-              </a:rPr>
-              <a:t>secrets</a:t>
-            </a:r>
-            <a:endParaRPr lang="da-DK" dirty="0">
-              <a:solidFill>
-                <a:schemeClr val="bg1"/>
-              </a:solidFill>
-            </a:endParaRPr>
-          </a:p>
-          <a:p>
-            <a:r>
-              <a:rPr lang="da-DK" dirty="0" err="1">
-                <a:solidFill>
-                  <a:schemeClr val="bg1"/>
-                </a:solidFill>
-              </a:rPr>
-              <a:t>Logging</a:t>
-            </a:r>
-            <a:endParaRPr lang="da-DK" dirty="0">
-              <a:solidFill>
-                <a:schemeClr val="bg1"/>
-              </a:solidFill>
-            </a:endParaRPr>
           </a:p>
           <a:p>
             <a:r>

--- a/Slides/Lecture11 - CSharp Redux.pptx
+++ b/Slides/Lecture11 - CSharp Redux.pptx
@@ -4643,12 +4643,12 @@
           <a:lstStyle/>
           <a:p>
             <a:r>
-              <a:rPr lang="da-DK" dirty="0" err="1">
+              <a:rPr lang="da-DK">
                 <a:solidFill>
                   <a:schemeClr val="bg1"/>
                 </a:solidFill>
               </a:rPr>
-              <a:t>Topics</a:t>
+              <a:t>Agenda</a:t>
             </a:r>
             <a:endParaRPr lang="da-DK" dirty="0">
               <a:solidFill>
